--- a/榮耀歸與真神.pptx
+++ b/榮耀歸與真神.pptx
@@ -109,6 +109,22 @@
       </a:defRPr>
     </a:lvl9pPr>
   </p:defaultTextStyle>
+  <p:extLst>
+    <p:ext uri="{EFAFB233-063F-42B5-8137-9DF3F51BA10A}">
+      <p15:sldGuideLst xmlns:p15="http://schemas.microsoft.com/office/powerpoint/2012/main">
+        <p15:guide id="1" orient="horz" pos="2160">
+          <p15:clr>
+            <a:srgbClr val="A4A3A4"/>
+          </p15:clr>
+        </p15:guide>
+        <p15:guide id="2" pos="2880">
+          <p15:clr>
+            <a:srgbClr val="A4A3A4"/>
+          </p15:clr>
+        </p15:guide>
+      </p15:sldGuideLst>
+    </p:ext>
+  </p:extLst>
 </p:presentation>
 </file>
 
@@ -293,7 +309,7 @@
           <a:p>
             <a:fld id="{257C2775-D97D-44EA-AC44-D227246A5578}" type="datetimeFigureOut">
               <a:rPr lang="zh-TW" altLang="en-US" smtClean="0"/>
-              <a:t>2017/12/18</a:t>
+              <a:t>2021/12/17</a:t>
             </a:fld>
             <a:endParaRPr lang="zh-TW" altLang="en-US"/>
           </a:p>
@@ -458,7 +474,7 @@
           <a:p>
             <a:fld id="{257C2775-D97D-44EA-AC44-D227246A5578}" type="datetimeFigureOut">
               <a:rPr lang="zh-TW" altLang="en-US" smtClean="0"/>
-              <a:t>2017/12/18</a:t>
+              <a:t>2021/12/17</a:t>
             </a:fld>
             <a:endParaRPr lang="zh-TW" altLang="en-US"/>
           </a:p>
@@ -633,7 +649,7 @@
           <a:p>
             <a:fld id="{257C2775-D97D-44EA-AC44-D227246A5578}" type="datetimeFigureOut">
               <a:rPr lang="zh-TW" altLang="en-US" smtClean="0"/>
-              <a:t>2017/12/18</a:t>
+              <a:t>2021/12/17</a:t>
             </a:fld>
             <a:endParaRPr lang="zh-TW" altLang="en-US"/>
           </a:p>
@@ -798,7 +814,7 @@
           <a:p>
             <a:fld id="{257C2775-D97D-44EA-AC44-D227246A5578}" type="datetimeFigureOut">
               <a:rPr lang="zh-TW" altLang="en-US" smtClean="0"/>
-              <a:t>2017/12/18</a:t>
+              <a:t>2021/12/17</a:t>
             </a:fld>
             <a:endParaRPr lang="zh-TW" altLang="en-US"/>
           </a:p>
@@ -1039,7 +1055,7 @@
           <a:p>
             <a:fld id="{257C2775-D97D-44EA-AC44-D227246A5578}" type="datetimeFigureOut">
               <a:rPr lang="zh-TW" altLang="en-US" smtClean="0"/>
-              <a:t>2017/12/18</a:t>
+              <a:t>2021/12/17</a:t>
             </a:fld>
             <a:endParaRPr lang="zh-TW" altLang="en-US"/>
           </a:p>
@@ -1322,7 +1338,7 @@
           <a:p>
             <a:fld id="{257C2775-D97D-44EA-AC44-D227246A5578}" type="datetimeFigureOut">
               <a:rPr lang="zh-TW" altLang="en-US" smtClean="0"/>
-              <a:t>2017/12/18</a:t>
+              <a:t>2021/12/17</a:t>
             </a:fld>
             <a:endParaRPr lang="zh-TW" altLang="en-US"/>
           </a:p>
@@ -1739,7 +1755,7 @@
           <a:p>
             <a:fld id="{257C2775-D97D-44EA-AC44-D227246A5578}" type="datetimeFigureOut">
               <a:rPr lang="zh-TW" altLang="en-US" smtClean="0"/>
-              <a:t>2017/12/18</a:t>
+              <a:t>2021/12/17</a:t>
             </a:fld>
             <a:endParaRPr lang="zh-TW" altLang="en-US"/>
           </a:p>
@@ -1852,7 +1868,7 @@
           <a:p>
             <a:fld id="{257C2775-D97D-44EA-AC44-D227246A5578}" type="datetimeFigureOut">
               <a:rPr lang="zh-TW" altLang="en-US" smtClean="0"/>
-              <a:t>2017/12/18</a:t>
+              <a:t>2021/12/17</a:t>
             </a:fld>
             <a:endParaRPr lang="zh-TW" altLang="en-US"/>
           </a:p>
@@ -1942,7 +1958,7 @@
           <a:p>
             <a:fld id="{257C2775-D97D-44EA-AC44-D227246A5578}" type="datetimeFigureOut">
               <a:rPr lang="zh-TW" altLang="en-US" smtClean="0"/>
-              <a:t>2017/12/18</a:t>
+              <a:t>2021/12/17</a:t>
             </a:fld>
             <a:endParaRPr lang="zh-TW" altLang="en-US"/>
           </a:p>
@@ -2214,7 +2230,7 @@
           <a:p>
             <a:fld id="{257C2775-D97D-44EA-AC44-D227246A5578}" type="datetimeFigureOut">
               <a:rPr lang="zh-TW" altLang="en-US" smtClean="0"/>
-              <a:t>2017/12/18</a:t>
+              <a:t>2021/12/17</a:t>
             </a:fld>
             <a:endParaRPr lang="zh-TW" altLang="en-US"/>
           </a:p>
@@ -2466,7 +2482,7 @@
           <a:p>
             <a:fld id="{257C2775-D97D-44EA-AC44-D227246A5578}" type="datetimeFigureOut">
               <a:rPr lang="zh-TW" altLang="en-US" smtClean="0"/>
-              <a:t>2017/12/18</a:t>
+              <a:t>2021/12/17</a:t>
             </a:fld>
             <a:endParaRPr lang="zh-TW" altLang="en-US"/>
           </a:p>
@@ -2679,7 +2695,7 @@
           <a:p>
             <a:fld id="{257C2775-D97D-44EA-AC44-D227246A5578}" type="datetimeFigureOut">
               <a:rPr lang="zh-TW" altLang="en-US" smtClean="0"/>
-              <a:t>2017/12/18</a:t>
+              <a:t>2021/12/17</a:t>
             </a:fld>
             <a:endParaRPr lang="zh-TW" altLang="en-US"/>
           </a:p>
@@ -3341,17 +3357,7 @@
                 <a:latin typeface="微軟正黑體" pitchFamily="34" charset="-120"/>
                 <a:ea typeface="微軟正黑體" pitchFamily="34" charset="-120"/>
               </a:rPr>
-              <a:t>榮耀  </a:t>
-            </a:r>
-            <a:r>
-              <a:rPr lang="zh-TW" altLang="en-US" sz="5400" b="1" dirty="0" smtClean="0">
-                <a:solidFill>
-                  <a:srgbClr val="000066"/>
-                </a:solidFill>
-                <a:latin typeface="微軟正黑體" pitchFamily="34" charset="-120"/>
-                <a:ea typeface="微軟正黑體" pitchFamily="34" charset="-120"/>
-              </a:rPr>
-              <a:t>榮耀</a:t>
+              <a:t>榮耀  榮耀</a:t>
             </a:r>
             <a:r>
               <a:rPr lang="en-US" altLang="zh-TW" sz="5400" b="1" dirty="0" smtClean="0">
@@ -3371,17 +3377,7 @@
                 <a:latin typeface="微軟正黑體" pitchFamily="34" charset="-120"/>
                 <a:ea typeface="微軟正黑體" pitchFamily="34" charset="-120"/>
               </a:rPr>
-              <a:t>榮耀</a:t>
-            </a:r>
-            <a:r>
-              <a:rPr lang="zh-TW" altLang="en-US" sz="5400" b="1" dirty="0" smtClean="0">
-                <a:solidFill>
-                  <a:srgbClr val="000066"/>
-                </a:solidFill>
-                <a:latin typeface="微軟正黑體" pitchFamily="34" charset="-120"/>
-                <a:ea typeface="微軟正黑體" pitchFamily="34" charset="-120"/>
-              </a:rPr>
-              <a:t>歸與真神</a:t>
+              <a:t>榮耀歸與真神</a:t>
             </a:r>
             <a:endParaRPr lang="en-US" altLang="zh-TW" sz="5400" b="1" dirty="0" smtClean="0">
               <a:solidFill>
@@ -3403,17 +3399,7 @@
                 <a:latin typeface="微軟正黑體" pitchFamily="34" charset="-120"/>
                 <a:ea typeface="微軟正黑體" pitchFamily="34" charset="-120"/>
               </a:rPr>
-              <a:t>榮耀  </a:t>
-            </a:r>
-            <a:r>
-              <a:rPr lang="zh-TW" altLang="en-US" sz="5400" b="1" dirty="0" smtClean="0">
-                <a:solidFill>
-                  <a:srgbClr val="000066"/>
-                </a:solidFill>
-                <a:latin typeface="微軟正黑體" pitchFamily="34" charset="-120"/>
-                <a:ea typeface="微軟正黑體" pitchFamily="34" charset="-120"/>
-              </a:rPr>
-              <a:t>榮耀</a:t>
+              <a:t>榮耀  榮耀</a:t>
             </a:r>
             <a:r>
               <a:rPr lang="en-US" altLang="zh-TW" sz="5400" b="1" dirty="0" smtClean="0">
@@ -3433,17 +3419,7 @@
                 <a:latin typeface="微軟正黑體" pitchFamily="34" charset="-120"/>
                 <a:ea typeface="微軟正黑體" pitchFamily="34" charset="-120"/>
               </a:rPr>
-              <a:t>榮耀</a:t>
-            </a:r>
-            <a:r>
-              <a:rPr lang="zh-TW" altLang="en-US" sz="5400" b="1" dirty="0" smtClean="0">
-                <a:solidFill>
-                  <a:srgbClr val="000066"/>
-                </a:solidFill>
-                <a:latin typeface="微軟正黑體" pitchFamily="34" charset="-120"/>
-                <a:ea typeface="微軟正黑體" pitchFamily="34" charset="-120"/>
-              </a:rPr>
-              <a:t>歸與真神</a:t>
+              <a:t>榮耀歸與真神</a:t>
             </a:r>
           </a:p>
         </p:txBody>
@@ -3674,17 +3650,7 @@
                 <a:latin typeface="微軟正黑體" pitchFamily="34" charset="-120"/>
                 <a:ea typeface="微軟正黑體" pitchFamily="34" charset="-120"/>
               </a:rPr>
-              <a:t>榮耀  </a:t>
-            </a:r>
-            <a:r>
-              <a:rPr lang="zh-TW" altLang="en-US" sz="5400" b="1" dirty="0" smtClean="0">
-                <a:solidFill>
-                  <a:srgbClr val="000066"/>
-                </a:solidFill>
-                <a:latin typeface="微軟正黑體" pitchFamily="34" charset="-120"/>
-                <a:ea typeface="微軟正黑體" pitchFamily="34" charset="-120"/>
-              </a:rPr>
-              <a:t>榮耀</a:t>
+              <a:t>榮耀  榮耀</a:t>
             </a:r>
             <a:r>
               <a:rPr lang="en-US" altLang="zh-TW" sz="5400" b="1" dirty="0" smtClean="0">
@@ -3704,17 +3670,7 @@
                 <a:latin typeface="微軟正黑體" pitchFamily="34" charset="-120"/>
                 <a:ea typeface="微軟正黑體" pitchFamily="34" charset="-120"/>
               </a:rPr>
-              <a:t>榮耀</a:t>
-            </a:r>
-            <a:r>
-              <a:rPr lang="zh-TW" altLang="en-US" sz="5400" b="1" dirty="0" smtClean="0">
-                <a:solidFill>
-                  <a:srgbClr val="000066"/>
-                </a:solidFill>
-                <a:latin typeface="微軟正黑體" pitchFamily="34" charset="-120"/>
-                <a:ea typeface="微軟正黑體" pitchFamily="34" charset="-120"/>
-              </a:rPr>
-              <a:t>歸與真神</a:t>
+              <a:t>榮耀歸與真神</a:t>
             </a:r>
             <a:endParaRPr lang="en-US" altLang="zh-TW" sz="5400" b="1" dirty="0" smtClean="0">
               <a:solidFill>
@@ -3736,17 +3692,7 @@
                 <a:latin typeface="微軟正黑體" pitchFamily="34" charset="-120"/>
                 <a:ea typeface="微軟正黑體" pitchFamily="34" charset="-120"/>
               </a:rPr>
-              <a:t>榮耀  </a:t>
-            </a:r>
-            <a:r>
-              <a:rPr lang="zh-TW" altLang="en-US" sz="5400" b="1" dirty="0" smtClean="0">
-                <a:solidFill>
-                  <a:srgbClr val="000066"/>
-                </a:solidFill>
-                <a:latin typeface="微軟正黑體" pitchFamily="34" charset="-120"/>
-                <a:ea typeface="微軟正黑體" pitchFamily="34" charset="-120"/>
-              </a:rPr>
-              <a:t>榮耀</a:t>
+              <a:t>榮耀  榮耀</a:t>
             </a:r>
             <a:r>
               <a:rPr lang="en-US" altLang="zh-TW" sz="5400" b="1" dirty="0" smtClean="0">
@@ -3766,17 +3712,7 @@
                 <a:latin typeface="微軟正黑體" pitchFamily="34" charset="-120"/>
                 <a:ea typeface="微軟正黑體" pitchFamily="34" charset="-120"/>
               </a:rPr>
-              <a:t>榮耀</a:t>
-            </a:r>
-            <a:r>
-              <a:rPr lang="zh-TW" altLang="en-US" sz="5400" b="1" dirty="0" smtClean="0">
-                <a:solidFill>
-                  <a:srgbClr val="000066"/>
-                </a:solidFill>
-                <a:latin typeface="微軟正黑體" pitchFamily="34" charset="-120"/>
-                <a:ea typeface="微軟正黑體" pitchFamily="34" charset="-120"/>
-              </a:rPr>
-              <a:t>歸與真神</a:t>
+              <a:t>榮耀歸與真神</a:t>
             </a:r>
           </a:p>
         </p:txBody>
@@ -4035,17 +3971,7 @@
                 <a:latin typeface="微軟正黑體" pitchFamily="34" charset="-120"/>
                 <a:ea typeface="微軟正黑體" pitchFamily="34" charset="-120"/>
               </a:rPr>
-              <a:t>榮耀  </a:t>
-            </a:r>
-            <a:r>
-              <a:rPr lang="zh-TW" altLang="en-US" sz="5400" b="1" dirty="0" smtClean="0">
-                <a:solidFill>
-                  <a:srgbClr val="000066"/>
-                </a:solidFill>
-                <a:latin typeface="微軟正黑體" pitchFamily="34" charset="-120"/>
-                <a:ea typeface="微軟正黑體" pitchFamily="34" charset="-120"/>
-              </a:rPr>
-              <a:t>榮耀</a:t>
+              <a:t>榮耀  榮耀</a:t>
             </a:r>
             <a:r>
               <a:rPr lang="en-US" altLang="zh-TW" sz="5400" b="1" dirty="0" smtClean="0">
@@ -4065,17 +3991,7 @@
                 <a:latin typeface="微軟正黑體" pitchFamily="34" charset="-120"/>
                 <a:ea typeface="微軟正黑體" pitchFamily="34" charset="-120"/>
               </a:rPr>
-              <a:t>榮耀</a:t>
-            </a:r>
-            <a:r>
-              <a:rPr lang="zh-TW" altLang="en-US" sz="5400" b="1" dirty="0" smtClean="0">
-                <a:solidFill>
-                  <a:srgbClr val="000066"/>
-                </a:solidFill>
-                <a:latin typeface="微軟正黑體" pitchFamily="34" charset="-120"/>
-                <a:ea typeface="微軟正黑體" pitchFamily="34" charset="-120"/>
-              </a:rPr>
-              <a:t>歸與真神</a:t>
+              <a:t>榮耀歸與真神</a:t>
             </a:r>
             <a:endParaRPr lang="en-US" altLang="zh-TW" sz="5400" b="1" dirty="0" smtClean="0">
               <a:solidFill>
@@ -4097,17 +4013,7 @@
                 <a:latin typeface="微軟正黑體" pitchFamily="34" charset="-120"/>
                 <a:ea typeface="微軟正黑體" pitchFamily="34" charset="-120"/>
               </a:rPr>
-              <a:t>榮耀  </a:t>
-            </a:r>
-            <a:r>
-              <a:rPr lang="zh-TW" altLang="en-US" sz="5400" b="1" dirty="0" smtClean="0">
-                <a:solidFill>
-                  <a:srgbClr val="000066"/>
-                </a:solidFill>
-                <a:latin typeface="微軟正黑體" pitchFamily="34" charset="-120"/>
-                <a:ea typeface="微軟正黑體" pitchFamily="34" charset="-120"/>
-              </a:rPr>
-              <a:t>榮耀</a:t>
+              <a:t>榮耀  榮耀</a:t>
             </a:r>
             <a:r>
               <a:rPr lang="en-US" altLang="zh-TW" sz="5400" b="1" dirty="0" smtClean="0">
@@ -4127,17 +4033,7 @@
                 <a:latin typeface="微軟正黑體" pitchFamily="34" charset="-120"/>
                 <a:ea typeface="微軟正黑體" pitchFamily="34" charset="-120"/>
               </a:rPr>
-              <a:t>榮耀</a:t>
-            </a:r>
-            <a:r>
-              <a:rPr lang="zh-TW" altLang="en-US" sz="5400" b="1" dirty="0" smtClean="0">
-                <a:solidFill>
-                  <a:srgbClr val="000066"/>
-                </a:solidFill>
-                <a:latin typeface="微軟正黑體" pitchFamily="34" charset="-120"/>
-                <a:ea typeface="微軟正黑體" pitchFamily="34" charset="-120"/>
-              </a:rPr>
-              <a:t>歸與真神</a:t>
+              <a:t>榮耀歸與真神</a:t>
             </a:r>
           </a:p>
         </p:txBody>
